--- a/docs/diagrams/WhiteBlackDiagrams/UiComponentClassDiagram.pptx
+++ b/docs/diagrams/WhiteBlackDiagrams/UiComponentClassDiagram.pptx
@@ -3562,14 +3562,14 @@
             <a:p>
               <a:pPr algn="ctr"/>
               <a:r>
-                <a:rPr lang="en-US" sz="1050" b="1" dirty="0" err="1">
+                <a:rPr lang="en-US" sz="1200" b="1" dirty="0" err="1">
                   <a:solidFill>
                     <a:schemeClr val="tx1"/>
                   </a:solidFill>
                 </a:rPr>
                 <a:t>MainWindow</a:t>
               </a:r>
-              <a:endParaRPr lang="en-SG" sz="1050" b="1" dirty="0">
+              <a:endParaRPr lang="en-SG" sz="1200" b="1" dirty="0">
                 <a:solidFill>
                   <a:schemeClr val="tx1"/>
                 </a:solidFill>
@@ -3619,14 +3619,14 @@
             <a:p>
               <a:pPr algn="ctr"/>
               <a:r>
-                <a:rPr lang="en-US" sz="1050" b="1" dirty="0" err="1">
+                <a:rPr lang="en-US" sz="1200" b="1" dirty="0" err="1">
                   <a:solidFill>
                     <a:schemeClr val="tx1"/>
                   </a:solidFill>
                 </a:rPr>
                 <a:t>CommandBox</a:t>
               </a:r>
-              <a:endParaRPr lang="en-SG" sz="1050" b="1" dirty="0">
+              <a:endParaRPr lang="en-SG" sz="1200" b="1" dirty="0">
                 <a:solidFill>
                   <a:schemeClr val="tx1"/>
                 </a:solidFill>
@@ -3676,14 +3676,14 @@
             <a:p>
               <a:pPr algn="ctr"/>
               <a:r>
-                <a:rPr lang="en-US" sz="1050" dirty="0" err="1">
+                <a:rPr lang="en-US" sz="1200" dirty="0" err="1">
                   <a:solidFill>
                     <a:schemeClr val="tx1"/>
                   </a:solidFill>
                 </a:rPr>
                 <a:t>UiManager</a:t>
               </a:r>
-              <a:endParaRPr lang="en-SG" sz="1050" dirty="0">
+              <a:endParaRPr lang="en-SG" sz="1200" dirty="0">
                 <a:solidFill>
                   <a:schemeClr val="tx1"/>
                 </a:solidFill>
@@ -3775,7 +3775,7 @@
             <a:lstStyle/>
             <a:p>
               <a:pPr algn="ctr"/>
-              <a:endParaRPr lang="en-SG" sz="1050" b="1">
+              <a:endParaRPr lang="en-SG" sz="1200" b="1">
                 <a:solidFill>
                   <a:schemeClr val="tx1"/>
                 </a:solidFill>
@@ -3866,14 +3866,14 @@
             <a:p>
               <a:pPr algn="ctr"/>
               <a:r>
-                <a:rPr lang="en-US" sz="1100" b="1" dirty="0">
+                <a:rPr lang="en-US" sz="1200" b="1" dirty="0">
                   <a:solidFill>
                     <a:schemeClr val="tx1"/>
                   </a:solidFill>
                 </a:rPr>
                 <a:t>Logic</a:t>
               </a:r>
-              <a:endParaRPr lang="en-SG" sz="1100" b="1" dirty="0">
+              <a:endParaRPr lang="en-SG" sz="1200" b="1" dirty="0">
                 <a:solidFill>
                   <a:schemeClr val="tx1"/>
                 </a:solidFill>
@@ -3923,14 +3923,14 @@
             <a:p>
               <a:pPr algn="ctr"/>
               <a:r>
-                <a:rPr lang="en-US" sz="1050" b="1" dirty="0" err="1">
+                <a:rPr lang="en-US" sz="1200" b="1" dirty="0" err="1">
                   <a:solidFill>
                     <a:schemeClr val="tx1"/>
                   </a:solidFill>
                 </a:rPr>
                 <a:t>BrowserPanel</a:t>
               </a:r>
-              <a:endParaRPr lang="en-SG" sz="1050" b="1" dirty="0">
+              <a:endParaRPr lang="en-SG" sz="1200" b="1" dirty="0">
                 <a:solidFill>
                   <a:schemeClr val="tx1"/>
                 </a:solidFill>
@@ -3980,14 +3980,14 @@
             <a:p>
               <a:pPr algn="ctr"/>
               <a:r>
-                <a:rPr lang="en-US" sz="1050" b="1" dirty="0" err="1">
+                <a:rPr lang="en-US" sz="1200" b="1" dirty="0" err="1">
                   <a:solidFill>
                     <a:schemeClr val="tx1"/>
                   </a:solidFill>
                 </a:rPr>
                 <a:t>StatusBarFooter</a:t>
               </a:r>
-              <a:endParaRPr lang="en-SG" sz="1050" b="1" dirty="0">
+              <a:endParaRPr lang="en-SG" sz="1200" b="1" dirty="0">
                 <a:solidFill>
                   <a:schemeClr val="tx1"/>
                 </a:solidFill>
@@ -4037,14 +4037,14 @@
             <a:p>
               <a:pPr algn="ctr"/>
               <a:r>
-                <a:rPr lang="en-US" sz="1050" b="1" dirty="0" err="1">
+                <a:rPr lang="en-US" sz="1200" b="1" dirty="0" err="1">
                   <a:solidFill>
                     <a:schemeClr val="tx1"/>
                   </a:solidFill>
                 </a:rPr>
                 <a:t>CardListPanel</a:t>
               </a:r>
-              <a:endParaRPr lang="en-SG" sz="1050" b="1" dirty="0">
+              <a:endParaRPr lang="en-SG" sz="1200" b="1" dirty="0">
                 <a:solidFill>
                   <a:schemeClr val="tx1"/>
                 </a:solidFill>
@@ -4094,14 +4094,14 @@
             <a:p>
               <a:pPr algn="ctr"/>
               <a:r>
-                <a:rPr lang="en-US" sz="1050" b="1" dirty="0" err="1">
+                <a:rPr lang="en-US" sz="1200" b="1" dirty="0" err="1">
                   <a:solidFill>
                     <a:schemeClr val="tx1"/>
                   </a:solidFill>
                 </a:rPr>
                 <a:t>CardCard</a:t>
               </a:r>
-              <a:endParaRPr lang="en-SG" sz="1050" b="1" dirty="0">
+              <a:endParaRPr lang="en-SG" sz="1200" b="1" dirty="0">
                 <a:solidFill>
                   <a:schemeClr val="tx1"/>
                 </a:solidFill>
@@ -4151,14 +4151,14 @@
             <a:p>
               <a:pPr algn="ctr"/>
               <a:r>
-                <a:rPr lang="en-US" sz="1050" b="1" dirty="0" err="1">
+                <a:rPr lang="en-US" sz="1200" b="1" dirty="0" err="1">
                   <a:solidFill>
                     <a:schemeClr val="tx1"/>
                   </a:solidFill>
                 </a:rPr>
                 <a:t>HelpWindow</a:t>
               </a:r>
-              <a:endParaRPr lang="en-SG" sz="1050" b="1" dirty="0">
+              <a:endParaRPr lang="en-SG" sz="1200" b="1" dirty="0">
                 <a:solidFill>
                   <a:schemeClr val="tx1"/>
                 </a:solidFill>
@@ -4208,7 +4208,7 @@
             <a:lstStyle/>
             <a:p>
               <a:pPr algn="ctr"/>
-              <a:endParaRPr lang="en-SG">
+              <a:endParaRPr lang="en-SG" sz="1200">
                 <a:solidFill>
                   <a:schemeClr val="tx1"/>
                 </a:solidFill>
@@ -4299,14 +4299,14 @@
             <a:p>
               <a:pPr algn="ctr"/>
               <a:r>
-                <a:rPr lang="en-US" sz="1050" b="1" dirty="0" err="1">
+                <a:rPr lang="en-US" sz="1200" b="1" dirty="0" err="1">
                   <a:solidFill>
                     <a:schemeClr val="tx1"/>
                   </a:solidFill>
                 </a:rPr>
                 <a:t>ResultDisplay</a:t>
               </a:r>
-              <a:endParaRPr lang="en-SG" sz="1050" b="1" dirty="0">
+              <a:endParaRPr lang="en-SG" sz="1200" b="1" dirty="0">
                 <a:solidFill>
                   <a:schemeClr val="tx1"/>
                 </a:solidFill>
@@ -4519,7 +4519,7 @@
             <a:p>
               <a:pPr algn="ctr"/>
               <a:r>
-                <a:rPr lang="en-US" sz="1050" b="1" dirty="0">
+                <a:rPr lang="en-US" sz="1200" b="1" dirty="0">
                   <a:solidFill>
                     <a:schemeClr val="tx1"/>
                   </a:solidFill>
@@ -4527,21 +4527,21 @@
                 <a:t>{abstract}</a:t>
               </a:r>
               <a:br>
-                <a:rPr lang="en-US" sz="1050" b="1" dirty="0">
+                <a:rPr lang="en-US" sz="1200" b="1" dirty="0">
                   <a:solidFill>
                     <a:schemeClr val="tx1"/>
                   </a:solidFill>
                 </a:rPr>
               </a:br>
               <a:r>
-                <a:rPr lang="en-US" sz="1050" b="1" dirty="0" err="1">
+                <a:rPr lang="en-US" sz="1200" b="1" dirty="0" err="1">
                   <a:solidFill>
                     <a:schemeClr val="tx1"/>
                   </a:solidFill>
                 </a:rPr>
                 <a:t>UiPart</a:t>
               </a:r>
-              <a:endParaRPr lang="en-SG" sz="1050" b="1" dirty="0">
+              <a:endParaRPr lang="en-SG" sz="1200" b="1" dirty="0">
                 <a:solidFill>
                   <a:schemeClr val="tx1"/>
                 </a:solidFill>
@@ -4878,14 +4878,14 @@
             <a:p>
               <a:pPr algn="ctr"/>
               <a:r>
-                <a:rPr lang="en-US" sz="1100" b="1" dirty="0">
+                <a:rPr lang="en-US" sz="1200" b="1" dirty="0">
                   <a:solidFill>
                     <a:schemeClr val="tx1"/>
                   </a:solidFill>
                 </a:rPr>
                 <a:t>Model</a:t>
               </a:r>
-              <a:endParaRPr lang="en-SG" sz="1100" b="1" dirty="0">
+              <a:endParaRPr lang="en-SG" sz="1200" b="1" dirty="0">
                 <a:solidFill>
                   <a:schemeClr val="tx1"/>
                 </a:solidFill>
@@ -4935,7 +4935,7 @@
             <a:p>
               <a:pPr algn="ctr"/>
               <a:r>
-                <a:rPr lang="en-US" sz="1050" dirty="0">
+                <a:rPr lang="en-US" sz="1200" dirty="0">
                   <a:solidFill>
                     <a:schemeClr val="tx1"/>
                   </a:solidFill>
@@ -4946,14 +4946,14 @@
             <a:p>
               <a:pPr algn="ctr"/>
               <a:r>
-                <a:rPr lang="en-US" sz="1050" dirty="0" err="1">
+                <a:rPr lang="en-US" sz="1200" dirty="0" err="1">
                   <a:solidFill>
                     <a:schemeClr val="tx1"/>
                   </a:solidFill>
                 </a:rPr>
                 <a:t>Ui</a:t>
               </a:r>
-              <a:endParaRPr lang="en-SG" sz="1050" dirty="0">
+              <a:endParaRPr lang="en-SG" sz="1200" dirty="0">
                 <a:solidFill>
                   <a:schemeClr val="tx1"/>
                 </a:solidFill>
@@ -5002,7 +5002,7 @@
             <a:lstStyle/>
             <a:p>
               <a:pPr algn="ctr"/>
-              <a:endParaRPr lang="en-SG" sz="1050" b="1">
+              <a:endParaRPr lang="en-SG" sz="1200" b="1">
                 <a:solidFill>
                   <a:schemeClr val="tx1"/>
                 </a:solidFill>
@@ -5261,7 +5261,7 @@
             <a:lstStyle/>
             <a:p>
               <a:pPr algn="ctr"/>
-              <a:endParaRPr lang="en-SG">
+              <a:endParaRPr lang="en-SG" sz="1200">
                 <a:solidFill>
                   <a:schemeClr val="tx1"/>
                 </a:solidFill>
@@ -5347,7 +5347,7 @@
             <a:lstStyle/>
             <a:p>
               <a:pPr algn="ctr"/>
-              <a:endParaRPr lang="en-SG">
+              <a:endParaRPr lang="en-SG" sz="1200">
                 <a:solidFill>
                   <a:schemeClr val="tx1"/>
                 </a:solidFill>
@@ -5400,7 +5400,7 @@
             <a:lstStyle/>
             <a:p>
               <a:pPr algn="ctr"/>
-              <a:endParaRPr lang="en-SG">
+              <a:endParaRPr lang="en-SG" sz="1200">
                 <a:solidFill>
                   <a:schemeClr val="tx1"/>
                 </a:solidFill>
@@ -5486,7 +5486,7 @@
             <a:lstStyle/>
             <a:p>
               <a:pPr algn="ctr"/>
-              <a:endParaRPr lang="en-SG">
+              <a:endParaRPr lang="en-SG" sz="1200">
                 <a:solidFill>
                   <a:schemeClr val="tx1"/>
                 </a:solidFill>
